--- a/CalendarioAgo20/Presentaciones/12_Cadenas.pptx
+++ b/CalendarioAgo20/Presentaciones/12_Cadenas.pptx
@@ -230,7 +230,7 @@
           <a:p>
             <a:fld id="{55C7BC42-2F9C-4966-894F-B6FA6F3C1DB8}" type="datetimeFigureOut">
               <a:rPr lang="es-MX" smtClean="0"/>
-              <a:t>08/04/2019</a:t>
+              <a:t>22/10/2020</a:t>
             </a:fld>
             <a:endParaRPr lang="es-MX" dirty="0"/>
           </a:p>
@@ -1183,7 +1183,7 @@
           <a:p>
             <a:fld id="{47016A6E-E1CA-4694-BCEE-11D49EEFA04C}" type="datetimeFigureOut">
               <a:rPr lang="es-MX" smtClean="0"/>
-              <a:t>08/04/2019</a:t>
+              <a:t>22/10/2020</a:t>
             </a:fld>
             <a:endParaRPr lang="es-MX" dirty="0"/>
           </a:p>
@@ -1353,7 +1353,7 @@
           <a:p>
             <a:fld id="{47016A6E-E1CA-4694-BCEE-11D49EEFA04C}" type="datetimeFigureOut">
               <a:rPr lang="es-MX" smtClean="0"/>
-              <a:t>08/04/2019</a:t>
+              <a:t>22/10/2020</a:t>
             </a:fld>
             <a:endParaRPr lang="es-MX" dirty="0"/>
           </a:p>
@@ -1533,7 +1533,7 @@
           <a:p>
             <a:fld id="{47016A6E-E1CA-4694-BCEE-11D49EEFA04C}" type="datetimeFigureOut">
               <a:rPr lang="es-MX" smtClean="0"/>
-              <a:t>08/04/2019</a:t>
+              <a:t>22/10/2020</a:t>
             </a:fld>
             <a:endParaRPr lang="es-MX" dirty="0"/>
           </a:p>
@@ -1931,7 +1931,7 @@
           <a:p>
             <a:fld id="{47016A6E-E1CA-4694-BCEE-11D49EEFA04C}" type="datetimeFigureOut">
               <a:rPr lang="es-MX" smtClean="0"/>
-              <a:t>08/04/2019</a:t>
+              <a:t>22/10/2020</a:t>
             </a:fld>
             <a:endParaRPr lang="es-MX" dirty="0"/>
           </a:p>
@@ -2177,7 +2177,7 @@
           <a:p>
             <a:fld id="{47016A6E-E1CA-4694-BCEE-11D49EEFA04C}" type="datetimeFigureOut">
               <a:rPr lang="es-MX" smtClean="0"/>
-              <a:t>08/04/2019</a:t>
+              <a:t>22/10/2020</a:t>
             </a:fld>
             <a:endParaRPr lang="es-MX" dirty="0"/>
           </a:p>
@@ -2465,7 +2465,7 @@
           <a:p>
             <a:fld id="{47016A6E-E1CA-4694-BCEE-11D49EEFA04C}" type="datetimeFigureOut">
               <a:rPr lang="es-MX" smtClean="0"/>
-              <a:t>08/04/2019</a:t>
+              <a:t>22/10/2020</a:t>
             </a:fld>
             <a:endParaRPr lang="es-MX" dirty="0"/>
           </a:p>
@@ -2887,7 +2887,7 @@
           <a:p>
             <a:fld id="{47016A6E-E1CA-4694-BCEE-11D49EEFA04C}" type="datetimeFigureOut">
               <a:rPr lang="es-MX" smtClean="0"/>
-              <a:t>08/04/2019</a:t>
+              <a:t>22/10/2020</a:t>
             </a:fld>
             <a:endParaRPr lang="es-MX" dirty="0"/>
           </a:p>
@@ -3005,7 +3005,7 @@
           <a:p>
             <a:fld id="{47016A6E-E1CA-4694-BCEE-11D49EEFA04C}" type="datetimeFigureOut">
               <a:rPr lang="es-MX" smtClean="0"/>
-              <a:t>08/04/2019</a:t>
+              <a:t>22/10/2020</a:t>
             </a:fld>
             <a:endParaRPr lang="es-MX" dirty="0"/>
           </a:p>
@@ -3100,7 +3100,7 @@
           <a:p>
             <a:fld id="{47016A6E-E1CA-4694-BCEE-11D49EEFA04C}" type="datetimeFigureOut">
               <a:rPr lang="es-MX" smtClean="0"/>
-              <a:t>08/04/2019</a:t>
+              <a:t>22/10/2020</a:t>
             </a:fld>
             <a:endParaRPr lang="es-MX" dirty="0"/>
           </a:p>
@@ -3377,7 +3377,7 @@
           <a:p>
             <a:fld id="{47016A6E-E1CA-4694-BCEE-11D49EEFA04C}" type="datetimeFigureOut">
               <a:rPr lang="es-MX" smtClean="0"/>
-              <a:t>08/04/2019</a:t>
+              <a:t>22/10/2020</a:t>
             </a:fld>
             <a:endParaRPr lang="es-MX" dirty="0"/>
           </a:p>
@@ -3630,7 +3630,7 @@
           <a:p>
             <a:fld id="{47016A6E-E1CA-4694-BCEE-11D49EEFA04C}" type="datetimeFigureOut">
               <a:rPr lang="es-MX" smtClean="0"/>
-              <a:t>08/04/2019</a:t>
+              <a:t>22/10/2020</a:t>
             </a:fld>
             <a:endParaRPr lang="es-MX" dirty="0"/>
           </a:p>
@@ -3843,7 +3843,7 @@
           <a:p>
             <a:fld id="{47016A6E-E1CA-4694-BCEE-11D49EEFA04C}" type="datetimeFigureOut">
               <a:rPr lang="es-MX" smtClean="0"/>
-              <a:t>08/04/2019</a:t>
+              <a:t>22/10/2020</a:t>
             </a:fld>
             <a:endParaRPr lang="es-MX" dirty="0"/>
           </a:p>
@@ -4457,7 +4457,7 @@
         </p:spPr>
         <p:txBody>
           <a:bodyPr>
-            <a:normAutofit fontScale="85000" lnSpcReduction="20000"/>
+            <a:normAutofit fontScale="85000" lnSpcReduction="10000"/>
           </a:bodyPr>
           <a:lstStyle/>
           <a:p>
@@ -10236,7 +10236,7 @@
         </p:spPr>
         <p:txBody>
           <a:bodyPr>
-            <a:normAutofit fontScale="90000"/>
+            <a:normAutofit/>
           </a:bodyPr>
           <a:lstStyle/>
           <a:p>
@@ -11056,7 +11056,7 @@
         </p:spPr>
         <p:txBody>
           <a:bodyPr>
-            <a:normAutofit fontScale="90000"/>
+            <a:normAutofit/>
           </a:bodyPr>
           <a:lstStyle/>
           <a:p>
@@ -11099,7 +11099,7 @@
         </p:nvGraphicFramePr>
         <p:xfrm>
           <a:off x="971624" y="1861528"/>
-          <a:ext cx="7416800" cy="4696963"/>
+          <a:ext cx="7416800" cy="4663816"/>
         </p:xfrm>
         <a:graphic>
           <a:graphicData uri="http://schemas.openxmlformats.org/drawingml/2006/table">
@@ -13864,7 +13864,7 @@
         </p:spPr>
         <p:txBody>
           <a:bodyPr>
-            <a:normAutofit fontScale="90000"/>
+            <a:normAutofit/>
           </a:bodyPr>
           <a:lstStyle/>
           <a:p>
@@ -14562,7 +14562,7 @@
         </p:spPr>
         <p:txBody>
           <a:bodyPr>
-            <a:normAutofit fontScale="90000"/>
+            <a:normAutofit/>
           </a:bodyPr>
           <a:lstStyle/>
           <a:p>
@@ -16207,7 +16207,7 @@
         </p:spPr>
         <p:txBody>
           <a:bodyPr>
-            <a:normAutofit fontScale="90000"/>
+            <a:normAutofit/>
           </a:bodyPr>
           <a:lstStyle/>
           <a:p>
@@ -16603,7 +16603,7 @@
         </p:spPr>
         <p:txBody>
           <a:bodyPr>
-            <a:normAutofit fontScale="90000"/>
+            <a:normAutofit/>
           </a:bodyPr>
           <a:lstStyle/>
           <a:p>
@@ -17469,8 +17469,8 @@
         </p:nvSpPr>
         <p:spPr>
           <a:xfrm>
-            <a:off x="1043608" y="1052736"/>
-            <a:ext cx="6408712" cy="5006975"/>
+            <a:off x="1331640" y="1124744"/>
+            <a:ext cx="6408712" cy="5328592"/>
           </a:xfrm>
         </p:spPr>
         <p:txBody>
@@ -17487,14 +17487,14 @@
               <a:buNone/>
             </a:pPr>
             <a:r>
-              <a:rPr lang="es-ES_tradnl" sz="2000" b="1" dirty="0">
+              <a:rPr lang="es-ES_tradnl" sz="1800" b="1" dirty="0">
                 <a:latin typeface="Arial" pitchFamily="34" charset="0"/>
                 <a:cs typeface="Arial" pitchFamily="34" charset="0"/>
               </a:rPr>
               <a:t>void</a:t>
             </a:r>
             <a:r>
-              <a:rPr lang="es-ES_tradnl" sz="2000" dirty="0">
+              <a:rPr lang="es-ES_tradnl" sz="1800" dirty="0">
                 <a:latin typeface="Arial" pitchFamily="34" charset="0"/>
                 <a:cs typeface="Arial" pitchFamily="34" charset="0"/>
               </a:rPr>
@@ -17510,7 +17510,7 @@
               <a:buNone/>
             </a:pPr>
             <a:r>
-              <a:rPr lang="es-ES_tradnl" sz="2000" dirty="0">
+              <a:rPr lang="es-ES_tradnl" sz="1800" dirty="0">
                 <a:latin typeface="Arial" pitchFamily="34" charset="0"/>
                 <a:cs typeface="Arial" pitchFamily="34" charset="0"/>
               </a:rPr>
@@ -17529,7 +17529,7 @@
               <a:buNone/>
             </a:pPr>
             <a:r>
-              <a:rPr lang="es-ES_tradnl" sz="2000" dirty="0">
+              <a:rPr lang="es-ES_tradnl" sz="1800" dirty="0">
                 <a:latin typeface="Arial" pitchFamily="34" charset="0"/>
                 <a:cs typeface="Arial" pitchFamily="34" charset="0"/>
               </a:rPr>
@@ -17548,7 +17548,7 @@
               <a:buNone/>
             </a:pPr>
             <a:r>
-              <a:rPr lang="es-ES_tradnl" sz="2000" dirty="0">
+              <a:rPr lang="es-ES_tradnl" sz="1800" dirty="0">
                 <a:latin typeface="Arial" pitchFamily="34" charset="0"/>
                 <a:cs typeface="Arial" pitchFamily="34" charset="0"/>
               </a:rPr>
@@ -17563,7 +17563,7 @@
               <a:buFontTx/>
               <a:buNone/>
             </a:pPr>
-            <a:endParaRPr lang="es-ES_tradnl" sz="2000" dirty="0">
+            <a:endParaRPr lang="es-ES_tradnl" sz="1800" dirty="0">
               <a:latin typeface="Arial" pitchFamily="34" charset="0"/>
               <a:cs typeface="Arial" pitchFamily="34" charset="0"/>
             </a:endParaRPr>
@@ -17577,41 +17577,41 @@
               <a:buNone/>
             </a:pPr>
             <a:r>
-              <a:rPr lang="es-ES_tradnl" sz="2000" dirty="0">
+              <a:rPr lang="es-ES_tradnl" sz="1800" dirty="0">
                 <a:latin typeface="Arial" pitchFamily="34" charset="0"/>
                 <a:cs typeface="Arial" pitchFamily="34" charset="0"/>
               </a:rPr>
               <a:t>		printf("</a:t>
             </a:r>
             <a:r>
-              <a:rPr lang="es-ES_tradnl" sz="2000" dirty="0">
+              <a:rPr lang="es-ES_tradnl" sz="1800" dirty="0">
                 <a:solidFill>
                   <a:srgbClr val="0000FF"/>
                 </a:solidFill>
-                <a:latin typeface="Arial" pitchFamily="34" charset="0"/>
+                <a:latin typeface="Arial" panose="020B0604020202020204" pitchFamily="34" charset="0"/>
                 <a:cs typeface="Arial" pitchFamily="34" charset="0"/>
               </a:rPr>
               <a:t>\n Introduce tu nombre completo: </a:t>
             </a:r>
             <a:r>
-              <a:rPr lang="es-ES_tradnl" sz="2000" dirty="0">
-                <a:latin typeface="Arial" pitchFamily="34" charset="0"/>
+              <a:rPr lang="es-ES_tradnl" sz="1800" dirty="0">
+                <a:latin typeface="Arial" panose="020B0604020202020204" pitchFamily="34" charset="0"/>
                 <a:cs typeface="Arial" pitchFamily="34" charset="0"/>
               </a:rPr>
               <a:t>"</a:t>
             </a:r>
             <a:r>
-              <a:rPr lang="es-ES_tradnl" sz="2000" dirty="0">
+              <a:rPr lang="es-ES_tradnl" sz="1800" dirty="0">
                 <a:solidFill>
                   <a:srgbClr val="0000FF"/>
                 </a:solidFill>
-                <a:latin typeface="Arial" pitchFamily="34" charset="0"/>
+                <a:latin typeface="Arial" panose="020B0604020202020204" pitchFamily="34" charset="0"/>
                 <a:cs typeface="Arial" pitchFamily="34" charset="0"/>
               </a:rPr>
               <a:t>)</a:t>
             </a:r>
             <a:r>
-              <a:rPr lang="es-ES_tradnl" sz="2000" dirty="0">
+              <a:rPr lang="es-ES_tradnl" sz="1800" dirty="0">
                 <a:latin typeface="Arial" pitchFamily="34" charset="0"/>
                 <a:cs typeface="Arial" pitchFamily="34" charset="0"/>
               </a:rPr>
@@ -17627,30 +17627,30 @@
               <a:buNone/>
             </a:pPr>
             <a:r>
-              <a:rPr lang="es-ES_tradnl" sz="2000" dirty="0">
+              <a:rPr lang="es-ES_tradnl" sz="1800" dirty="0">
                 <a:latin typeface="Arial" pitchFamily="34" charset="0"/>
                 <a:cs typeface="Arial" pitchFamily="34" charset="0"/>
               </a:rPr>
               <a:t>		</a:t>
             </a:r>
             <a:r>
-              <a:rPr lang="es-ES_tradnl" sz="2000" b="1" dirty="0">
+              <a:rPr lang="es-ES_tradnl" sz="1800" b="1" dirty="0">
                 <a:solidFill>
                   <a:srgbClr val="00B050"/>
                 </a:solidFill>
-                <a:latin typeface="Arial" pitchFamily="34" charset="0"/>
+                <a:latin typeface="Arial" panose="020B0604020202020204" pitchFamily="34" charset="0"/>
                 <a:cs typeface="Arial" pitchFamily="34" charset="0"/>
               </a:rPr>
               <a:t>fflush(stdin); </a:t>
             </a:r>
             <a:r>
-              <a:rPr lang="es-ES_tradnl" sz="2000" b="1" i="1" dirty="0">
+              <a:rPr lang="es-ES_tradnl" sz="1800" b="1" i="1" dirty="0">
                 <a:solidFill>
                   <a:schemeClr val="accent4">
                     <a:lumMod val="75000"/>
                   </a:schemeClr>
                 </a:solidFill>
-                <a:latin typeface="Arial" pitchFamily="34" charset="0"/>
+                <a:latin typeface="Arial" panose="020B0604020202020204" pitchFamily="34" charset="0"/>
                 <a:cs typeface="Arial" pitchFamily="34" charset="0"/>
               </a:rPr>
               <a:t>// Limpia la memoria</a:t>
@@ -17665,22 +17665,84 @@
               <a:buNone/>
             </a:pPr>
             <a:r>
-              <a:rPr lang="es-ES_tradnl" sz="2000" dirty="0">
-                <a:latin typeface="Arial" pitchFamily="34" charset="0"/>
+              <a:rPr lang="es-ES_tradnl" sz="1800" dirty="0">
+                <a:latin typeface="Arial" panose="020B0604020202020204" pitchFamily="34" charset="0"/>
                 <a:cs typeface="Arial" pitchFamily="34" charset="0"/>
               </a:rPr>
               <a:t>		</a:t>
             </a:r>
             <a:r>
-              <a:rPr lang="es-ES_tradnl" sz="2000" b="1" dirty="0">
+              <a:rPr lang="es-ES_tradnl" sz="1800" b="1" dirty="0">
                 <a:solidFill>
                   <a:srgbClr val="FF0000"/>
                 </a:solidFill>
-                <a:latin typeface="Arial" pitchFamily="34" charset="0"/>
+                <a:latin typeface="Arial" panose="020B0604020202020204" pitchFamily="34" charset="0"/>
                 <a:cs typeface="Arial" pitchFamily="34" charset="0"/>
               </a:rPr>
               <a:t>gets(nombre);</a:t>
             </a:r>
+          </a:p>
+          <a:p>
+            <a:pPr lvl="1">
+              <a:lnSpc>
+                <a:spcPct val="90000"/>
+              </a:lnSpc>
+              <a:buNone/>
+            </a:pPr>
+            <a:r>
+              <a:rPr lang="es-MX" sz="1800" b="1" dirty="0">
+                <a:latin typeface="Arial" panose="020B0604020202020204" pitchFamily="34" charset="0"/>
+                <a:cs typeface="Arial" panose="020B0604020202020204" pitchFamily="34" charset="0"/>
+              </a:rPr>
+              <a:t>       </a:t>
+            </a:r>
+            <a:r>
+              <a:rPr lang="es-MX" sz="1800" b="1" dirty="0" err="1">
+                <a:solidFill>
+                  <a:srgbClr val="FF0000"/>
+                </a:solidFill>
+                <a:latin typeface="Arial" panose="020B0604020202020204" pitchFamily="34" charset="0"/>
+                <a:cs typeface="Arial" panose="020B0604020202020204" pitchFamily="34" charset="0"/>
+              </a:rPr>
+              <a:t>fgets</a:t>
+            </a:r>
+            <a:r>
+              <a:rPr lang="es-MX" sz="1800" b="1" dirty="0">
+                <a:solidFill>
+                  <a:srgbClr val="FF0000"/>
+                </a:solidFill>
+                <a:latin typeface="Arial" panose="020B0604020202020204" pitchFamily="34" charset="0"/>
+                <a:cs typeface="Arial" panose="020B0604020202020204" pitchFamily="34" charset="0"/>
+              </a:rPr>
+              <a:t>(cadena, 100, </a:t>
+            </a:r>
+            <a:r>
+              <a:rPr lang="es-MX" sz="1800" b="1" dirty="0" err="1">
+                <a:solidFill>
+                  <a:srgbClr val="FF0000"/>
+                </a:solidFill>
+                <a:latin typeface="Arial" panose="020B0604020202020204" pitchFamily="34" charset="0"/>
+                <a:cs typeface="Arial" panose="020B0604020202020204" pitchFamily="34" charset="0"/>
+              </a:rPr>
+              <a:t>stdin</a:t>
+            </a:r>
+            <a:r>
+              <a:rPr lang="es-MX" sz="1800" b="1" dirty="0">
+                <a:solidFill>
+                  <a:srgbClr val="FF0000"/>
+                </a:solidFill>
+                <a:latin typeface="Arial" panose="020B0604020202020204" pitchFamily="34" charset="0"/>
+                <a:cs typeface="Arial" panose="020B0604020202020204" pitchFamily="34" charset="0"/>
+              </a:rPr>
+              <a:t>); UBUNTU</a:t>
+            </a:r>
+            <a:endParaRPr lang="es-ES_tradnl" sz="1800" b="1" dirty="0">
+              <a:solidFill>
+                <a:srgbClr val="FF0000"/>
+              </a:solidFill>
+              <a:latin typeface="Arial" panose="020B0604020202020204" pitchFamily="34" charset="0"/>
+              <a:cs typeface="Arial" pitchFamily="34" charset="0"/>
+            </a:endParaRPr>
           </a:p>
           <a:p>
             <a:pPr lvl="1" eaLnBrk="1" hangingPunct="1">
@@ -17691,24 +17753,24 @@
               <a:buNone/>
             </a:pPr>
             <a:r>
-              <a:rPr lang="es-ES_tradnl" sz="2000" dirty="0">
-                <a:latin typeface="Arial" pitchFamily="34" charset="0"/>
+              <a:rPr lang="es-ES_tradnl" sz="1800" dirty="0">
+                <a:latin typeface="Arial" panose="020B0604020202020204" pitchFamily="34" charset="0"/>
                 <a:cs typeface="Arial" pitchFamily="34" charset="0"/>
               </a:rPr>
               <a:t>		printf("</a:t>
             </a:r>
             <a:r>
-              <a:rPr lang="es-ES_tradnl" sz="2000" dirty="0">
+              <a:rPr lang="es-ES_tradnl" sz="1800" dirty="0">
                 <a:solidFill>
                   <a:srgbClr val="0000FF"/>
                 </a:solidFill>
-                <a:latin typeface="Arial" pitchFamily="34" charset="0"/>
+                <a:latin typeface="Arial" panose="020B0604020202020204" pitchFamily="34" charset="0"/>
                 <a:cs typeface="Arial" pitchFamily="34" charset="0"/>
               </a:rPr>
               <a:t>Tu nombre es %s</a:t>
             </a:r>
             <a:r>
-              <a:rPr lang="es-ES_tradnl" sz="2000" dirty="0">
+              <a:rPr lang="es-ES_tradnl" sz="1800" dirty="0">
                 <a:latin typeface="Arial" pitchFamily="34" charset="0"/>
                 <a:cs typeface="Arial" pitchFamily="34" charset="0"/>
               </a:rPr>
@@ -17724,7 +17786,7 @@
               <a:buNone/>
             </a:pPr>
             <a:r>
-              <a:rPr lang="es-ES_tradnl" sz="2000" dirty="0">
+              <a:rPr lang="es-ES_tradnl" sz="1800" dirty="0">
                 <a:latin typeface="Arial" pitchFamily="34" charset="0"/>
                 <a:cs typeface="Arial" pitchFamily="34" charset="0"/>
               </a:rPr>
@@ -17740,42 +17802,42 @@
               <a:buNone/>
             </a:pPr>
             <a:r>
-              <a:rPr lang="es-ES_tradnl" sz="2000" dirty="0">
+              <a:rPr lang="es-ES_tradnl" sz="1800" dirty="0">
                 <a:latin typeface="Arial" pitchFamily="34" charset="0"/>
                 <a:cs typeface="Arial" pitchFamily="34" charset="0"/>
               </a:rPr>
               <a:t>		printf("</a:t>
             </a:r>
             <a:r>
-              <a:rPr lang="es-ES_tradnl" sz="2000" dirty="0">
+              <a:rPr lang="es-ES_tradnl" sz="1800" dirty="0">
                 <a:solidFill>
                   <a:srgbClr val="0000FF"/>
                 </a:solidFill>
-                <a:latin typeface="Arial" pitchFamily="34" charset="0"/>
+                <a:latin typeface="Arial" panose="020B0604020202020204" pitchFamily="34" charset="0"/>
                 <a:cs typeface="Arial" pitchFamily="34" charset="0"/>
               </a:rPr>
               <a:t>\n\n Introduce tu nombre completo: </a:t>
             </a:r>
             <a:r>
-              <a:rPr lang="es-ES_tradnl" sz="2000" dirty="0">
-                <a:latin typeface="Arial" pitchFamily="34" charset="0"/>
+              <a:rPr lang="es-ES_tradnl" sz="1800" dirty="0">
+                <a:latin typeface="Arial" panose="020B0604020202020204" pitchFamily="34" charset="0"/>
                 <a:cs typeface="Arial" pitchFamily="34" charset="0"/>
               </a:rPr>
               <a:t>"</a:t>
             </a:r>
             <a:r>
-              <a:rPr lang="es-ES_tradnl" sz="2000" dirty="0">
+              <a:rPr lang="es-ES_tradnl" sz="1800" dirty="0">
                 <a:solidFill>
                   <a:srgbClr val="0000FF"/>
                 </a:solidFill>
-                <a:latin typeface="Arial" pitchFamily="34" charset="0"/>
+                <a:latin typeface="Arial" panose="020B0604020202020204" pitchFamily="34" charset="0"/>
                 <a:cs typeface="Arial" pitchFamily="34" charset="0"/>
               </a:rPr>
               <a:t>)</a:t>
             </a:r>
             <a:r>
-              <a:rPr lang="es-ES_tradnl" sz="2000" dirty="0">
-                <a:latin typeface="Arial" pitchFamily="34" charset="0"/>
+              <a:rPr lang="es-ES_tradnl" sz="1800" dirty="0">
+                <a:latin typeface="Arial" panose="020B0604020202020204" pitchFamily="34" charset="0"/>
                 <a:cs typeface="Arial" pitchFamily="34" charset="0"/>
               </a:rPr>
               <a:t>;</a:t>
@@ -17790,11 +17852,11 @@
               <a:buNone/>
             </a:pPr>
             <a:r>
-              <a:rPr lang="es-ES_tradnl" sz="2000" b="1" dirty="0">
+              <a:rPr lang="es-ES_tradnl" sz="1800" b="1" dirty="0">
                 <a:solidFill>
                   <a:srgbClr val="00B050"/>
                 </a:solidFill>
-                <a:latin typeface="Arial" pitchFamily="34" charset="0"/>
+                <a:latin typeface="Arial" panose="020B0604020202020204" pitchFamily="34" charset="0"/>
                 <a:cs typeface="Arial" pitchFamily="34" charset="0"/>
               </a:rPr>
               <a:t>		fflush(stdin); </a:t>
@@ -17809,18 +17871,18 @@
               <a:buNone/>
             </a:pPr>
             <a:r>
-              <a:rPr lang="es-ES_tradnl" sz="2000" dirty="0">
-                <a:latin typeface="Arial" pitchFamily="34" charset="0"/>
+              <a:rPr lang="es-ES_tradnl" sz="1800" dirty="0">
+                <a:latin typeface="Arial" panose="020B0604020202020204" pitchFamily="34" charset="0"/>
                 <a:cs typeface="Arial" pitchFamily="34" charset="0"/>
               </a:rPr>
               <a:t>		</a:t>
             </a:r>
             <a:r>
-              <a:rPr lang="es-ES_tradnl" sz="2000" b="1" dirty="0">
+              <a:rPr lang="es-ES_tradnl" sz="1800" b="1" dirty="0">
                 <a:solidFill>
                   <a:srgbClr val="FF0000"/>
                 </a:solidFill>
-                <a:latin typeface="Arial" pitchFamily="34" charset="0"/>
+                <a:latin typeface="Arial" panose="020B0604020202020204" pitchFamily="34" charset="0"/>
                 <a:cs typeface="Arial" pitchFamily="34" charset="0"/>
               </a:rPr>
               <a:t>scanf("%s",&amp;nombre);</a:t>
@@ -17835,24 +17897,24 @@
               <a:buNone/>
             </a:pPr>
             <a:r>
-              <a:rPr lang="es-ES_tradnl" sz="2000" dirty="0">
-                <a:latin typeface="Arial" pitchFamily="34" charset="0"/>
+              <a:rPr lang="es-ES_tradnl" sz="1800" dirty="0">
+                <a:latin typeface="Arial" panose="020B0604020202020204" pitchFamily="34" charset="0"/>
                 <a:cs typeface="Arial" pitchFamily="34" charset="0"/>
               </a:rPr>
               <a:t>		printf("</a:t>
             </a:r>
             <a:r>
-              <a:rPr lang="es-ES_tradnl" sz="2000" dirty="0">
+              <a:rPr lang="es-ES_tradnl" sz="1800" dirty="0">
                 <a:solidFill>
                   <a:srgbClr val="0000FF"/>
                 </a:solidFill>
-                <a:latin typeface="Arial" pitchFamily="34" charset="0"/>
+                <a:latin typeface="Arial" panose="020B0604020202020204" pitchFamily="34" charset="0"/>
                 <a:cs typeface="Arial" pitchFamily="34" charset="0"/>
               </a:rPr>
               <a:t>Tu nombre es %s</a:t>
             </a:r>
             <a:r>
-              <a:rPr lang="es-ES_tradnl" sz="2000" dirty="0">
+              <a:rPr lang="es-ES_tradnl" sz="1800" dirty="0">
                 <a:latin typeface="Arial" pitchFamily="34" charset="0"/>
                 <a:cs typeface="Arial" pitchFamily="34" charset="0"/>
               </a:rPr>
@@ -17868,7 +17930,7 @@
               <a:buNone/>
             </a:pPr>
             <a:r>
-              <a:rPr lang="es-ES_tradnl" sz="2000" dirty="0">
+              <a:rPr lang="es-ES_tradnl" sz="1800" dirty="0">
                 <a:latin typeface="Arial" pitchFamily="34" charset="0"/>
                 <a:cs typeface="Arial" pitchFamily="34" charset="0"/>
               </a:rPr>
@@ -17884,7 +17946,7 @@
               <a:buNone/>
             </a:pPr>
             <a:r>
-              <a:rPr lang="es-ES_tradnl" sz="2000" dirty="0">
+              <a:rPr lang="es-ES_tradnl" sz="1800" dirty="0">
                 <a:latin typeface="Arial" pitchFamily="34" charset="0"/>
                 <a:cs typeface="Arial" pitchFamily="34" charset="0"/>
               </a:rPr>
@@ -17900,7 +17962,7 @@
               <a:buNone/>
             </a:pPr>
             <a:r>
-              <a:rPr lang="es-ES_tradnl" sz="2000" dirty="0">
+              <a:rPr lang="es-ES_tradnl" sz="1800" dirty="0">
                 <a:latin typeface="Arial" pitchFamily="34" charset="0"/>
                 <a:cs typeface="Arial" pitchFamily="34" charset="0"/>
               </a:rPr>
@@ -17916,7 +17978,7 @@
               <a:buNone/>
             </a:pPr>
             <a:r>
-              <a:rPr lang="es-ES_tradnl" sz="2000" dirty="0">
+              <a:rPr lang="es-ES_tradnl" sz="1800" dirty="0">
                 <a:latin typeface="Arial" pitchFamily="34" charset="0"/>
                 <a:cs typeface="Arial" pitchFamily="34" charset="0"/>
               </a:rPr>

--- a/CalendarioAgo20/Presentaciones/12_Cadenas.pptx
+++ b/CalendarioAgo20/Presentaciones/12_Cadenas.pptx
@@ -230,7 +230,7 @@
           <a:p>
             <a:fld id="{55C7BC42-2F9C-4966-894F-B6FA6F3C1DB8}" type="datetimeFigureOut">
               <a:rPr lang="es-MX" smtClean="0"/>
-              <a:t>22/10/2020</a:t>
+              <a:t>23/10/2020</a:t>
             </a:fld>
             <a:endParaRPr lang="es-MX" dirty="0"/>
           </a:p>
@@ -1183,7 +1183,7 @@
           <a:p>
             <a:fld id="{47016A6E-E1CA-4694-BCEE-11D49EEFA04C}" type="datetimeFigureOut">
               <a:rPr lang="es-MX" smtClean="0"/>
-              <a:t>22/10/2020</a:t>
+              <a:t>23/10/2020</a:t>
             </a:fld>
             <a:endParaRPr lang="es-MX" dirty="0"/>
           </a:p>
@@ -1353,7 +1353,7 @@
           <a:p>
             <a:fld id="{47016A6E-E1CA-4694-BCEE-11D49EEFA04C}" type="datetimeFigureOut">
               <a:rPr lang="es-MX" smtClean="0"/>
-              <a:t>22/10/2020</a:t>
+              <a:t>23/10/2020</a:t>
             </a:fld>
             <a:endParaRPr lang="es-MX" dirty="0"/>
           </a:p>
@@ -1533,7 +1533,7 @@
           <a:p>
             <a:fld id="{47016A6E-E1CA-4694-BCEE-11D49EEFA04C}" type="datetimeFigureOut">
               <a:rPr lang="es-MX" smtClean="0"/>
-              <a:t>22/10/2020</a:t>
+              <a:t>23/10/2020</a:t>
             </a:fld>
             <a:endParaRPr lang="es-MX" dirty="0"/>
           </a:p>
@@ -1931,7 +1931,7 @@
           <a:p>
             <a:fld id="{47016A6E-E1CA-4694-BCEE-11D49EEFA04C}" type="datetimeFigureOut">
               <a:rPr lang="es-MX" smtClean="0"/>
-              <a:t>22/10/2020</a:t>
+              <a:t>23/10/2020</a:t>
             </a:fld>
             <a:endParaRPr lang="es-MX" dirty="0"/>
           </a:p>
@@ -2177,7 +2177,7 @@
           <a:p>
             <a:fld id="{47016A6E-E1CA-4694-BCEE-11D49EEFA04C}" type="datetimeFigureOut">
               <a:rPr lang="es-MX" smtClean="0"/>
-              <a:t>22/10/2020</a:t>
+              <a:t>23/10/2020</a:t>
             </a:fld>
             <a:endParaRPr lang="es-MX" dirty="0"/>
           </a:p>
@@ -2465,7 +2465,7 @@
           <a:p>
             <a:fld id="{47016A6E-E1CA-4694-BCEE-11D49EEFA04C}" type="datetimeFigureOut">
               <a:rPr lang="es-MX" smtClean="0"/>
-              <a:t>22/10/2020</a:t>
+              <a:t>23/10/2020</a:t>
             </a:fld>
             <a:endParaRPr lang="es-MX" dirty="0"/>
           </a:p>
@@ -2887,7 +2887,7 @@
           <a:p>
             <a:fld id="{47016A6E-E1CA-4694-BCEE-11D49EEFA04C}" type="datetimeFigureOut">
               <a:rPr lang="es-MX" smtClean="0"/>
-              <a:t>22/10/2020</a:t>
+              <a:t>23/10/2020</a:t>
             </a:fld>
             <a:endParaRPr lang="es-MX" dirty="0"/>
           </a:p>
@@ -3005,7 +3005,7 @@
           <a:p>
             <a:fld id="{47016A6E-E1CA-4694-BCEE-11D49EEFA04C}" type="datetimeFigureOut">
               <a:rPr lang="es-MX" smtClean="0"/>
-              <a:t>22/10/2020</a:t>
+              <a:t>23/10/2020</a:t>
             </a:fld>
             <a:endParaRPr lang="es-MX" dirty="0"/>
           </a:p>
@@ -3100,7 +3100,7 @@
           <a:p>
             <a:fld id="{47016A6E-E1CA-4694-BCEE-11D49EEFA04C}" type="datetimeFigureOut">
               <a:rPr lang="es-MX" smtClean="0"/>
-              <a:t>22/10/2020</a:t>
+              <a:t>23/10/2020</a:t>
             </a:fld>
             <a:endParaRPr lang="es-MX" dirty="0"/>
           </a:p>
@@ -3377,7 +3377,7 @@
           <a:p>
             <a:fld id="{47016A6E-E1CA-4694-BCEE-11D49EEFA04C}" type="datetimeFigureOut">
               <a:rPr lang="es-MX" smtClean="0"/>
-              <a:t>22/10/2020</a:t>
+              <a:t>23/10/2020</a:t>
             </a:fld>
             <a:endParaRPr lang="es-MX" dirty="0"/>
           </a:p>
@@ -3630,7 +3630,7 @@
           <a:p>
             <a:fld id="{47016A6E-E1CA-4694-BCEE-11D49EEFA04C}" type="datetimeFigureOut">
               <a:rPr lang="es-MX" smtClean="0"/>
-              <a:t>22/10/2020</a:t>
+              <a:t>23/10/2020</a:t>
             </a:fld>
             <a:endParaRPr lang="es-MX" dirty="0"/>
           </a:p>
@@ -3843,7 +3843,7 @@
           <a:p>
             <a:fld id="{47016A6E-E1CA-4694-BCEE-11D49EEFA04C}" type="datetimeFigureOut">
               <a:rPr lang="es-MX" smtClean="0"/>
-              <a:t>22/10/2020</a:t>
+              <a:t>23/10/2020</a:t>
             </a:fld>
             <a:endParaRPr lang="es-MX" dirty="0"/>
           </a:p>
@@ -5391,7 +5391,21 @@
                 <a:latin typeface="Arial" pitchFamily="34" charset="0"/>
                 <a:cs typeface="Arial" pitchFamily="34" charset="0"/>
               </a:rPr>
-              <a:t>   printf("</a:t>
+              <a:t>   </a:t>
+            </a:r>
+            <a:r>
+              <a:rPr lang="es-ES_tradnl" sz="2000" dirty="0" err="1">
+                <a:latin typeface="Arial" pitchFamily="34" charset="0"/>
+                <a:cs typeface="Arial" pitchFamily="34" charset="0"/>
+              </a:rPr>
+              <a:t>printf</a:t>
+            </a:r>
+            <a:r>
+              <a:rPr lang="es-ES_tradnl" sz="2000" dirty="0">
+                <a:latin typeface="Arial" pitchFamily="34" charset="0"/>
+                <a:cs typeface="Arial" pitchFamily="34" charset="0"/>
+              </a:rPr>
+              <a:t>(" </a:t>
             </a:r>
             <a:r>
               <a:rPr lang="es-ES_tradnl" sz="2000" dirty="0">
@@ -5856,6 +5870,51 @@
             </a:r>
           </a:p>
           <a:p>
+            <a:pPr lvl="4" algn="just">
+              <a:lnSpc>
+                <a:spcPct val="150000"/>
+              </a:lnSpc>
+              <a:spcBef>
+                <a:spcPct val="0"/>
+              </a:spcBef>
+              <a:buNone/>
+            </a:pPr>
+            <a:r>
+              <a:rPr lang="es-ES_tradnl" b="1" dirty="0">
+                <a:solidFill>
+                  <a:schemeClr val="bg2">
+                    <a:lumMod val="25000"/>
+                  </a:schemeClr>
+                </a:solidFill>
+                <a:latin typeface="Arial" pitchFamily="34" charset="0"/>
+                <a:cs typeface="Arial" pitchFamily="34" charset="0"/>
+              </a:rPr>
+              <a:t>while ( cadena[i] != '</a:t>
+            </a:r>
+            <a:r>
+              <a:rPr lang="es-ES_tradnl" b="1" dirty="0">
+                <a:solidFill>
+                  <a:srgbClr val="FF0000"/>
+                </a:solidFill>
+                <a:latin typeface="Arial" pitchFamily="34" charset="0"/>
+                <a:cs typeface="Arial" pitchFamily="34" charset="0"/>
+              </a:rPr>
+              <a:t>\0</a:t>
+            </a:r>
+            <a:r>
+              <a:rPr lang="es-ES_tradnl" b="1" dirty="0">
+                <a:solidFill>
+                  <a:schemeClr val="bg2">
+                    <a:lumMod val="25000"/>
+                  </a:schemeClr>
+                </a:solidFill>
+                <a:latin typeface="Arial" pitchFamily="34" charset="0"/>
+                <a:cs typeface="Arial" pitchFamily="34" charset="0"/>
+              </a:rPr>
+              <a:t>')</a:t>
+            </a:r>
+          </a:p>
+          <a:p>
             <a:pPr lvl="4" algn="just" eaLnBrk="1" hangingPunct="1">
               <a:lnSpc>
                 <a:spcPct val="150000"/>
@@ -5876,40 +5935,17 @@
                 <a:latin typeface="Arial" pitchFamily="34" charset="0"/>
                 <a:cs typeface="Arial" pitchFamily="34" charset="0"/>
               </a:rPr>
-              <a:t>while ( cadena[i] != ‘</a:t>
-            </a:r>
-            <a:r>
-              <a:rPr lang="es-ES_tradnl" b="1" dirty="0">
-                <a:solidFill>
-                  <a:srgbClr val="FF0000"/>
-                </a:solidFill>
-                <a:latin typeface="Arial" pitchFamily="34" charset="0"/>
-                <a:cs typeface="Arial" pitchFamily="34" charset="0"/>
-              </a:rPr>
-              <a:t>\0</a:t>
-            </a:r>
-            <a:r>
-              <a:rPr lang="es-ES_tradnl" b="1" dirty="0">
-                <a:solidFill>
-                  <a:schemeClr val="bg2">
-                    <a:lumMod val="25000"/>
-                  </a:schemeClr>
-                </a:solidFill>
-                <a:latin typeface="Arial" pitchFamily="34" charset="0"/>
-                <a:cs typeface="Arial" pitchFamily="34" charset="0"/>
-              </a:rPr>
-              <a:t>’)</a:t>
-            </a:r>
-          </a:p>
-          <a:p>
-            <a:pPr lvl="4" algn="just" eaLnBrk="1" hangingPunct="1">
+              <a:t>{ </a:t>
+            </a:r>
+          </a:p>
+          <a:p>
+            <a:pPr lvl="4" algn="just">
               <a:lnSpc>
                 <a:spcPct val="150000"/>
               </a:lnSpc>
               <a:spcBef>
                 <a:spcPct val="0"/>
               </a:spcBef>
-              <a:buFontTx/>
               <a:buNone/>
             </a:pPr>
             <a:r>
@@ -5922,22 +5958,10 @@
                 <a:latin typeface="Arial" pitchFamily="34" charset="0"/>
                 <a:cs typeface="Arial" pitchFamily="34" charset="0"/>
               </a:rPr>
-              <a:t>{ </a:t>
-            </a:r>
-          </a:p>
-          <a:p>
-            <a:pPr lvl="4" algn="just" eaLnBrk="1" hangingPunct="1">
-              <a:lnSpc>
-                <a:spcPct val="150000"/>
-              </a:lnSpc>
-              <a:spcBef>
-                <a:spcPct val="0"/>
-              </a:spcBef>
-              <a:buFontTx/>
-              <a:buNone/>
-            </a:pPr>
-            <a:r>
-              <a:rPr lang="es-ES_tradnl" b="1" dirty="0">
+              <a:t>   </a:t>
+            </a:r>
+            <a:r>
+              <a:rPr lang="es-ES_tradnl" b="1" dirty="0" err="1">
                 <a:solidFill>
                   <a:schemeClr val="bg2">
                     <a:lumMod val="25000"/>
@@ -5946,7 +5970,57 @@
                 <a:latin typeface="Arial" pitchFamily="34" charset="0"/>
                 <a:cs typeface="Arial" pitchFamily="34" charset="0"/>
               </a:rPr>
-              <a:t>   printf(“%c”, cadena[i]);</a:t>
+              <a:t>printf</a:t>
+            </a:r>
+            <a:r>
+              <a:rPr lang="es-ES_tradnl" b="1" dirty="0">
+                <a:solidFill>
+                  <a:schemeClr val="bg2">
+                    <a:lumMod val="25000"/>
+                  </a:schemeClr>
+                </a:solidFill>
+                <a:latin typeface="Arial" pitchFamily="34" charset="0"/>
+                <a:cs typeface="Arial" pitchFamily="34" charset="0"/>
+              </a:rPr>
+              <a:t>(</a:t>
+            </a:r>
+            <a:r>
+              <a:rPr lang="es-ES_tradnl" dirty="0">
+                <a:latin typeface="Arial" pitchFamily="34" charset="0"/>
+                <a:cs typeface="Arial" pitchFamily="34" charset="0"/>
+              </a:rPr>
+              <a:t>"</a:t>
+            </a:r>
+            <a:r>
+              <a:rPr lang="es-ES_tradnl" b="1" dirty="0">
+                <a:solidFill>
+                  <a:schemeClr val="bg2">
+                    <a:lumMod val="25000"/>
+                  </a:schemeClr>
+                </a:solidFill>
+                <a:latin typeface="Arial" pitchFamily="34" charset="0"/>
+                <a:cs typeface="Arial" pitchFamily="34" charset="0"/>
+              </a:rPr>
+              <a:t>%c</a:t>
+            </a:r>
+            <a:r>
+              <a:rPr lang="es-ES_tradnl" dirty="0">
+                <a:latin typeface="Arial" pitchFamily="34" charset="0"/>
+                <a:cs typeface="Arial" pitchFamily="34" charset="0"/>
+              </a:rPr>
+              <a:t>"</a:t>
+            </a:r>
+            <a:r>
+              <a:rPr lang="es-ES_tradnl" b="1" dirty="0">
+                <a:solidFill>
+                  <a:schemeClr val="bg2">
+                    <a:lumMod val="25000"/>
+                  </a:schemeClr>
+                </a:solidFill>
+                <a:latin typeface="Arial" pitchFamily="34" charset="0"/>
+                <a:cs typeface="Arial" pitchFamily="34" charset="0"/>
+              </a:rPr>
+              <a:t>, cadena[i]);</a:t>
             </a:r>
           </a:p>
           <a:p>
@@ -7596,7 +7670,7 @@
                 </a:solidFill>
                 <a:latin typeface="Arial" pitchFamily="34" charset="0"/>
               </a:rPr>
-              <a:t>’\0’</a:t>
+              <a:t>'\0'</a:t>
             </a:r>
             <a:r>
               <a:rPr lang="es-ES_tradnl" dirty="0">
@@ -8234,7 +8308,7 @@
             <a:r>
               <a:rPr lang="es-ES_tradnl" sz="4400" b="1" dirty="0">
                 <a:solidFill>
-                  <a:srgbClr val="D60093"/>
+                  <a:srgbClr val="0070C0"/>
                 </a:solidFill>
                 <a:effectLst>
                   <a:outerShdw blurRad="38100" dist="38100" dir="2700000" algn="tl">
@@ -8243,24 +8317,7 @@
                 </a:effectLst>
                 <a:latin typeface="Dom Casual" charset="0"/>
               </a:rPr>
-              <a:t>Actividad colaborativa</a:t>
-            </a:r>
-          </a:p>
-          <a:p>
-            <a:pPr algn="ctr" eaLnBrk="0" hangingPunct="0"/>
-            <a:r>
-              <a:rPr lang="es-ES_tradnl" sz="2400" b="1" dirty="0">
-                <a:solidFill>
-                  <a:srgbClr val="0070C0"/>
-                </a:solidFill>
-                <a:effectLst>
-                  <a:outerShdw blurRad="38100" dist="38100" dir="2700000" algn="tl">
-                    <a:srgbClr val="C0C0C0"/>
-                  </a:outerShdw>
-                </a:effectLst>
-                <a:latin typeface="Dom Casual" charset="0"/>
-              </a:rPr>
-              <a:t>(5 minutos)</a:t>
+              <a:t>Actividad grupal</a:t>
             </a:r>
           </a:p>
         </p:txBody>
@@ -9480,13 +9537,13 @@
               <a:t>  while (A[i] != </a:t>
             </a:r>
             <a:r>
-              <a:rPr lang="es-ES_tradnl" sz="2300" dirty="0">
+              <a:rPr lang="es-ES_tradnl" dirty="0">
                 <a:solidFill>
                   <a:srgbClr val="0000FF"/>
                 </a:solidFill>
                 <a:latin typeface="Arial" pitchFamily="34" charset="0"/>
               </a:rPr>
-              <a:t>’\0’</a:t>
+              <a:t>'\0'</a:t>
             </a:r>
             <a:r>
               <a:rPr lang="es-ES_tradnl" sz="2300" dirty="0">
@@ -9570,7 +9627,7 @@
               <a:rPr lang="es-ES_tradnl" sz="2300" dirty="0">
                 <a:latin typeface="Arial" pitchFamily="34" charset="0"/>
               </a:rPr>
-              <a:t>     i++ ;</a:t>
+              <a:t>     i++;</a:t>
             </a:r>
           </a:p>
           <a:p>
@@ -13908,7 +13965,7 @@
         </p:spPr>
         <p:txBody>
           <a:bodyPr>
-            <a:normAutofit fontScale="92500" lnSpcReduction="10000"/>
+            <a:normAutofit fontScale="92500" lnSpcReduction="20000"/>
           </a:bodyPr>
           <a:lstStyle/>
           <a:p>
@@ -13996,14 +14053,13 @@
             </a:r>
           </a:p>
           <a:p>
-            <a:pPr algn="just" eaLnBrk="1" hangingPunct="1">
+            <a:pPr algn="just">
               <a:lnSpc>
                 <a:spcPct val="150000"/>
               </a:lnSpc>
               <a:spcBef>
                 <a:spcPct val="50000"/>
               </a:spcBef>
-              <a:buFont typeface="Wingdings" pitchFamily="2" charset="2"/>
               <a:buNone/>
             </a:pPr>
             <a:r>
@@ -14065,14 +14121,28 @@
               <a:t>] = </a:t>
             </a:r>
             <a:r>
-              <a:rPr lang="es-ES_tradnl" sz="2100" b="1" dirty="0">
+              <a:rPr lang="es-ES_tradnl" sz="2400" dirty="0">
+                <a:latin typeface="Arial" pitchFamily="34" charset="0"/>
+                <a:cs typeface="Arial" pitchFamily="34" charset="0"/>
+              </a:rPr>
+              <a:t>"</a:t>
+            </a:r>
+            <a:r>
+              <a:rPr lang="es-ES_tradnl" sz="2100" b="1" dirty="0" err="1">
                 <a:solidFill>
                   <a:srgbClr val="0000FF"/>
                 </a:solidFill>
                 <a:latin typeface="Arial" pitchFamily="34" charset="0"/>
                 <a:cs typeface="Arial" pitchFamily="34" charset="0"/>
               </a:rPr>
-              <a:t>“abcd”</a:t>
+              <a:t>abcd</a:t>
+            </a:r>
+            <a:r>
+              <a:rPr lang="es-ES_tradnl" sz="2400" dirty="0">
+                <a:latin typeface="Arial" pitchFamily="34" charset="0"/>
+                <a:cs typeface="Arial" pitchFamily="34" charset="0"/>
+              </a:rPr>
+              <a:t>"</a:t>
             </a:r>
             <a:r>
               <a:rPr lang="es-ES_tradnl" sz="2100" b="1" dirty="0">
@@ -14453,14 +14523,13 @@
             </a:r>
           </a:p>
           <a:p>
-            <a:pPr algn="ctr" eaLnBrk="1" hangingPunct="1">
+            <a:pPr algn="ctr">
               <a:lnSpc>
                 <a:spcPct val="150000"/>
               </a:lnSpc>
               <a:spcBef>
                 <a:spcPct val="50000"/>
               </a:spcBef>
-              <a:buFont typeface="Wingdings" pitchFamily="2" charset="2"/>
               <a:buNone/>
             </a:pPr>
             <a:r>
@@ -14495,17 +14564,37 @@
                 <a:latin typeface="Arial" pitchFamily="34" charset="0"/>
                 <a:cs typeface="Arial" pitchFamily="34" charset="0"/>
               </a:rPr>
-              <a:t>] = “</a:t>
-            </a:r>
-            <a:r>
-              <a:rPr lang="es-ES_tradnl" sz="2200" b="1" dirty="0">
+              <a:t>] = </a:t>
+            </a:r>
+            <a:r>
+              <a:rPr lang="es-ES_tradnl" sz="2200" dirty="0">
                 <a:solidFill>
                   <a:srgbClr val="0070C0"/>
                 </a:solidFill>
                 <a:latin typeface="Arial" pitchFamily="34" charset="0"/>
                 <a:cs typeface="Arial" pitchFamily="34" charset="0"/>
               </a:rPr>
+              <a:t>"</a:t>
+            </a:r>
+            <a:r>
+              <a:rPr lang="es-ES_tradnl" sz="2200" b="1" dirty="0" err="1">
+                <a:solidFill>
+                  <a:srgbClr val="0070C0"/>
+                </a:solidFill>
+                <a:latin typeface="Arial" pitchFamily="34" charset="0"/>
+                <a:cs typeface="Arial" pitchFamily="34" charset="0"/>
+              </a:rPr>
               <a:t>abcd</a:t>
+            </a:r>
+            <a:r>
+              <a:rPr lang="es-ES_tradnl" sz="2200" dirty="0">
+                <a:solidFill>
+                  <a:srgbClr val="0070C0"/>
+                </a:solidFill>
+                <a:latin typeface="Arial" pitchFamily="34" charset="0"/>
+                <a:cs typeface="Arial" pitchFamily="34" charset="0"/>
+              </a:rPr>
+              <a:t>"</a:t>
             </a:r>
             <a:r>
               <a:rPr lang="es-ES_tradnl" sz="2200" b="1" dirty="0">
@@ -14517,7 +14606,7 @@
                 <a:latin typeface="Arial" pitchFamily="34" charset="0"/>
                 <a:cs typeface="Arial" pitchFamily="34" charset="0"/>
               </a:rPr>
-              <a:t>”;</a:t>
+              <a:t>;</a:t>
             </a:r>
           </a:p>
           <a:p>
@@ -14742,14 +14831,13 @@
             </a:endParaRPr>
           </a:p>
           <a:p>
-            <a:pPr lvl="1" algn="just" eaLnBrk="1" hangingPunct="1">
+            <a:pPr lvl="1" algn="just">
               <a:lnSpc>
                 <a:spcPct val="120000"/>
               </a:lnSpc>
               <a:spcBef>
                 <a:spcPct val="0"/>
               </a:spcBef>
-              <a:buFontTx/>
               <a:buNone/>
             </a:pPr>
             <a:r>
@@ -14789,14 +14877,28 @@
               <a:t>]  = </a:t>
             </a:r>
             <a:r>
-              <a:rPr lang="es-ES_tradnl" sz="2400" b="1" dirty="0">
+              <a:rPr lang="es-ES_tradnl" sz="2400" dirty="0">
+                <a:latin typeface="Arial" pitchFamily="34" charset="0"/>
+                <a:cs typeface="Arial" pitchFamily="34" charset="0"/>
+              </a:rPr>
+              <a:t>"</a:t>
+            </a:r>
+            <a:r>
+              <a:rPr lang="es-ES_tradnl" sz="2400" b="1" dirty="0" err="1">
                 <a:solidFill>
                   <a:srgbClr val="0000FF"/>
                 </a:solidFill>
                 <a:latin typeface="Arial" pitchFamily="34" charset="0"/>
                 <a:cs typeface="Arial" pitchFamily="34" charset="0"/>
               </a:rPr>
-              <a:t>“abcd”</a:t>
+              <a:t>abcd</a:t>
+            </a:r>
+            <a:r>
+              <a:rPr lang="es-ES_tradnl" sz="2400" dirty="0">
+                <a:latin typeface="Arial" pitchFamily="34" charset="0"/>
+                <a:cs typeface="Arial" pitchFamily="34" charset="0"/>
+              </a:rPr>
+              <a:t>"</a:t>
             </a:r>
             <a:r>
               <a:rPr lang="es-ES_tradnl" sz="2400" b="1" dirty="0">
@@ -16414,22 +16516,35 @@
             </a:r>
           </a:p>
           <a:p>
-            <a:pPr lvl="2" eaLnBrk="1" hangingPunct="1">
+            <a:pPr lvl="2">
               <a:lnSpc>
                 <a:spcPct val="150000"/>
               </a:lnSpc>
               <a:spcBef>
                 <a:spcPct val="0"/>
               </a:spcBef>
-              <a:buFontTx/>
               <a:buNone/>
             </a:pPr>
             <a:r>
+              <a:rPr lang="es-ES_tradnl" sz="2000" b="1" dirty="0" err="1">
+                <a:latin typeface="Arial" pitchFamily="34" charset="0"/>
+                <a:cs typeface="Arial" pitchFamily="34" charset="0"/>
+              </a:rPr>
+              <a:t>scanf</a:t>
+            </a:r>
+            <a:r>
               <a:rPr lang="es-ES_tradnl" sz="2000" b="1" dirty="0">
                 <a:latin typeface="Arial" pitchFamily="34" charset="0"/>
                 <a:cs typeface="Arial" pitchFamily="34" charset="0"/>
               </a:rPr>
-              <a:t>scanf(</a:t>
+              <a:t>(</a:t>
+            </a:r>
+            <a:r>
+              <a:rPr lang="es-ES_tradnl" sz="2000" dirty="0">
+                <a:latin typeface="Arial" pitchFamily="34" charset="0"/>
+                <a:cs typeface="Arial" pitchFamily="34" charset="0"/>
+              </a:rPr>
+              <a:t>"</a:t>
             </a:r>
             <a:r>
               <a:rPr lang="es-ES_tradnl" sz="2000" b="1" dirty="0">
@@ -16439,7 +16554,14 @@
                 <a:latin typeface="Arial" pitchFamily="34" charset="0"/>
                 <a:cs typeface="Arial" pitchFamily="34" charset="0"/>
               </a:rPr>
-              <a:t>“%s”</a:t>
+              <a:t>%s</a:t>
+            </a:r>
+            <a:r>
+              <a:rPr lang="es-ES_tradnl" sz="2000" dirty="0">
+                <a:latin typeface="Arial" pitchFamily="34" charset="0"/>
+                <a:cs typeface="Arial" pitchFamily="34" charset="0"/>
+              </a:rPr>
+              <a:t>"</a:t>
             </a:r>
             <a:r>
               <a:rPr lang="es-ES_tradnl" sz="2000" b="1" dirty="0">
@@ -16549,31 +16671,31 @@
               <a:buNone/>
             </a:pPr>
             <a:r>
+              <a:rPr lang="es-ES_tradnl" sz="2000" b="1" dirty="0" err="1">
+                <a:solidFill>
+                  <a:srgbClr val="FF0000"/>
+                </a:solidFill>
+                <a:latin typeface="Arial" pitchFamily="34" charset="0"/>
+                <a:cs typeface="Arial" pitchFamily="34" charset="0"/>
+              </a:rPr>
+              <a:t>gets</a:t>
+            </a:r>
+            <a:r>
               <a:rPr lang="es-ES_tradnl" sz="2000" b="1" dirty="0">
-                <a:solidFill>
-                  <a:srgbClr val="FF0000"/>
-                </a:solidFill>
-                <a:latin typeface="Arial" pitchFamily="34" charset="0"/>
-                <a:cs typeface="Arial" pitchFamily="34" charset="0"/>
-              </a:rPr>
-              <a:t>gets</a:t>
+                <a:latin typeface="Arial" pitchFamily="34" charset="0"/>
+                <a:cs typeface="Arial" pitchFamily="34" charset="0"/>
+              </a:rPr>
+              <a:t>(</a:t>
             </a:r>
             <a:r>
               <a:rPr lang="es-ES_tradnl" sz="2000" b="1" dirty="0">
-                <a:latin typeface="Arial" pitchFamily="34" charset="0"/>
-                <a:cs typeface="Arial" pitchFamily="34" charset="0"/>
-              </a:rPr>
-              <a:t>(</a:t>
-            </a:r>
-            <a:r>
-              <a:rPr lang="es-ES_tradnl" sz="2000" b="1" dirty="0">
                 <a:solidFill>
                   <a:srgbClr val="009900"/>
                 </a:solidFill>
                 <a:latin typeface="Arial" pitchFamily="34" charset="0"/>
                 <a:cs typeface="Arial" pitchFamily="34" charset="0"/>
               </a:rPr>
-              <a:t>var</a:t>
+              <a:t>cadena</a:t>
             </a:r>
             <a:r>
               <a:rPr lang="es-ES_tradnl" sz="2000" b="1" dirty="0">
@@ -16659,6 +16781,107 @@
           </a:prstGeom>
         </p:spPr>
       </p:pic>
+      <p:sp>
+        <p:nvSpPr>
+          <p:cNvPr id="2" name="Rectángulo 1">
+            <a:extLst>
+              <a:ext uri="{FF2B5EF4-FFF2-40B4-BE49-F238E27FC236}">
+                <a16:creationId xmlns:a16="http://schemas.microsoft.com/office/drawing/2014/main" id="{073A1639-5B18-4EAC-A975-FD7F70E4AD86}"/>
+              </a:ext>
+            </a:extLst>
+          </p:cNvPr>
+          <p:cNvSpPr/>
+          <p:nvPr/>
+        </p:nvSpPr>
+        <p:spPr>
+          <a:xfrm>
+            <a:off x="2157725" y="6011873"/>
+            <a:ext cx="6237605" cy="369332"/>
+          </a:xfrm>
+          <a:prstGeom prst="rect">
+            <a:avLst/>
+          </a:prstGeom>
+        </p:spPr>
+        <p:txBody>
+          <a:bodyPr wrap="none">
+            <a:spAutoFit/>
+          </a:bodyPr>
+          <a:lstStyle/>
+          <a:p>
+            <a:r>
+              <a:rPr lang="es-MX" b="1" dirty="0" err="1">
+                <a:solidFill>
+                  <a:srgbClr val="FF0000"/>
+                </a:solidFill>
+                <a:latin typeface="Arial" panose="020B0604020202020204" pitchFamily="34" charset="0"/>
+                <a:cs typeface="Arial" panose="020B0604020202020204" pitchFamily="34" charset="0"/>
+              </a:rPr>
+              <a:t>fgets</a:t>
+            </a:r>
+            <a:r>
+              <a:rPr lang="es-MX" b="1" dirty="0">
+                <a:solidFill>
+                  <a:srgbClr val="FF0000"/>
+                </a:solidFill>
+                <a:latin typeface="Arial" panose="020B0604020202020204" pitchFamily="34" charset="0"/>
+                <a:cs typeface="Arial" panose="020B0604020202020204" pitchFamily="34" charset="0"/>
+              </a:rPr>
+              <a:t>(</a:t>
+            </a:r>
+            <a:r>
+              <a:rPr lang="es-MX" b="1" dirty="0">
+                <a:solidFill>
+                  <a:srgbClr val="00B050"/>
+                </a:solidFill>
+                <a:latin typeface="Arial" panose="020B0604020202020204" pitchFamily="34" charset="0"/>
+                <a:cs typeface="Arial" panose="020B0604020202020204" pitchFamily="34" charset="0"/>
+              </a:rPr>
+              <a:t>cadena, 100, </a:t>
+            </a:r>
+            <a:r>
+              <a:rPr lang="es-MX" b="1" dirty="0" err="1">
+                <a:solidFill>
+                  <a:srgbClr val="00B050"/>
+                </a:solidFill>
+                <a:latin typeface="Arial" panose="020B0604020202020204" pitchFamily="34" charset="0"/>
+                <a:cs typeface="Arial" panose="020B0604020202020204" pitchFamily="34" charset="0"/>
+              </a:rPr>
+              <a:t>stdin</a:t>
+            </a:r>
+            <a:r>
+              <a:rPr lang="es-MX" b="1" dirty="0">
+                <a:solidFill>
+                  <a:srgbClr val="FF0000"/>
+                </a:solidFill>
+                <a:latin typeface="Arial" panose="020B0604020202020204" pitchFamily="34" charset="0"/>
+                <a:cs typeface="Arial" panose="020B0604020202020204" pitchFamily="34" charset="0"/>
+              </a:rPr>
+              <a:t>);  </a:t>
+            </a:r>
+            <a:r>
+              <a:rPr lang="es-MX" b="1" dirty="0">
+                <a:solidFill>
+                  <a:schemeClr val="tx1">
+                    <a:lumMod val="95000"/>
+                    <a:lumOff val="5000"/>
+                  </a:schemeClr>
+                </a:solidFill>
+                <a:latin typeface="Arial" panose="020B0604020202020204" pitchFamily="34" charset="0"/>
+                <a:cs typeface="Arial" panose="020B0604020202020204" pitchFamily="34" charset="0"/>
+              </a:rPr>
+              <a:t>//Sistema operativo UBUNTU</a:t>
+            </a:r>
+            <a:endParaRPr lang="es-MX" dirty="0">
+              <a:solidFill>
+                <a:schemeClr val="tx1">
+                  <a:lumMod val="95000"/>
+                  <a:lumOff val="5000"/>
+                </a:schemeClr>
+              </a:solidFill>
+            </a:endParaRPr>
+          </a:p>
+        </p:txBody>
+      </p:sp>
     </p:spTree>
     <p:extLst>
       <p:ext uri="{BB962C8B-B14F-4D97-AF65-F5344CB8AC3E}">
@@ -16743,8 +16966,8 @@
         </p:nvSpPr>
         <p:spPr>
           <a:xfrm>
-            <a:off x="1042989" y="1685925"/>
-            <a:ext cx="7201420" cy="4695825"/>
+            <a:off x="1042988" y="1685925"/>
+            <a:ext cx="7317431" cy="4047331"/>
           </a:xfrm>
         </p:spPr>
         <p:txBody>
@@ -16753,7 +16976,7 @@
           </a:bodyPr>
           <a:lstStyle/>
           <a:p>
-            <a:pPr algn="just" eaLnBrk="1" hangingPunct="1">
+            <a:pPr algn="just">
               <a:lnSpc>
                 <a:spcPct val="150000"/>
               </a:lnSpc>
@@ -16776,14 +16999,14 @@
                 <a:latin typeface="Arial" pitchFamily="34" charset="0"/>
                 <a:cs typeface="Arial" pitchFamily="34" charset="0"/>
               </a:rPr>
-              <a:t>var</a:t>
+              <a:t>cadena</a:t>
             </a:r>
             <a:r>
               <a:rPr lang="es-ES_tradnl" sz="2000" dirty="0">
                 <a:latin typeface="Arial" pitchFamily="34" charset="0"/>
                 <a:cs typeface="Arial" pitchFamily="34" charset="0"/>
               </a:rPr>
-              <a:t>, contiene todos los caracteres tecleados, excepto el caracter de nueva línea (‘</a:t>
+              <a:t>, contiene todos los caracteres tecleados, excepto el caracter de nueva línea (</a:t>
             </a:r>
             <a:r>
               <a:rPr lang="es-ES_tradnl" sz="2000" b="1" dirty="0">
@@ -16793,14 +17016,14 @@
                 <a:latin typeface="Arial" pitchFamily="34" charset="0"/>
                 <a:cs typeface="Arial" pitchFamily="34" charset="0"/>
               </a:rPr>
-              <a:t>\n’</a:t>
+              <a:t>'\n'</a:t>
             </a:r>
             <a:r>
               <a:rPr lang="es-ES_tradnl" sz="2000" dirty="0">
                 <a:latin typeface="Arial" pitchFamily="34" charset="0"/>
                 <a:cs typeface="Arial" pitchFamily="34" charset="0"/>
               </a:rPr>
-              <a:t>), que es automáticamente reemplazado por el caracter nulo (‘</a:t>
+              <a:t>), que es automáticamente reemplazado por el caracter nulo (</a:t>
             </a:r>
             <a:r>
               <a:rPr lang="es-ES_tradnl" sz="2000" b="1" dirty="0">
@@ -16810,7 +17033,7 @@
                 <a:latin typeface="Arial" pitchFamily="34" charset="0"/>
                 <a:cs typeface="Arial" pitchFamily="34" charset="0"/>
               </a:rPr>
-              <a:t>\0’</a:t>
+              <a:t>'\0'</a:t>
             </a:r>
             <a:r>
               <a:rPr lang="es-ES_tradnl" sz="2000" dirty="0">
@@ -17469,8 +17692,8 @@
         </p:nvSpPr>
         <p:spPr>
           <a:xfrm>
-            <a:off x="1331640" y="1124744"/>
-            <a:ext cx="6408712" cy="5328592"/>
+            <a:off x="1115616" y="1124744"/>
+            <a:ext cx="7416824" cy="5328592"/>
           </a:xfrm>
         </p:spPr>
         <p:txBody>
@@ -17734,15 +17957,75 @@
                 <a:latin typeface="Arial" panose="020B0604020202020204" pitchFamily="34" charset="0"/>
                 <a:cs typeface="Arial" panose="020B0604020202020204" pitchFamily="34" charset="0"/>
               </a:rPr>
-              <a:t>); UBUNTU</a:t>
+              <a:t>);  </a:t>
+            </a:r>
+            <a:r>
+              <a:rPr lang="es-MX" sz="1800" b="1" dirty="0">
+                <a:solidFill>
+                  <a:schemeClr val="accent6">
+                    <a:lumMod val="75000"/>
+                  </a:schemeClr>
+                </a:solidFill>
+                <a:latin typeface="Arial" panose="020B0604020202020204" pitchFamily="34" charset="0"/>
+                <a:cs typeface="Arial" panose="020B0604020202020204" pitchFamily="34" charset="0"/>
+              </a:rPr>
+              <a:t>// Sistema operativo UBUNTU</a:t>
             </a:r>
             <a:endParaRPr lang="es-ES_tradnl" sz="1800" b="1" dirty="0">
               <a:solidFill>
-                <a:srgbClr val="FF0000"/>
+                <a:schemeClr val="accent6">
+                  <a:lumMod val="75000"/>
+                </a:schemeClr>
               </a:solidFill>
               <a:latin typeface="Arial" panose="020B0604020202020204" pitchFamily="34" charset="0"/>
               <a:cs typeface="Arial" pitchFamily="34" charset="0"/>
             </a:endParaRPr>
+          </a:p>
+          <a:p>
+            <a:pPr lvl="1">
+              <a:lnSpc>
+                <a:spcPct val="90000"/>
+              </a:lnSpc>
+              <a:buNone/>
+            </a:pPr>
+            <a:r>
+              <a:rPr lang="es-ES_tradnl" sz="1800" dirty="0">
+                <a:latin typeface="Arial" panose="020B0604020202020204" pitchFamily="34" charset="0"/>
+                <a:cs typeface="Arial" pitchFamily="34" charset="0"/>
+              </a:rPr>
+              <a:t>		</a:t>
+            </a:r>
+            <a:r>
+              <a:rPr lang="es-ES_tradnl" sz="1800" dirty="0" err="1">
+                <a:latin typeface="Arial" panose="020B0604020202020204" pitchFamily="34" charset="0"/>
+                <a:cs typeface="Arial" pitchFamily="34" charset="0"/>
+              </a:rPr>
+              <a:t>printf</a:t>
+            </a:r>
+            <a:r>
+              <a:rPr lang="es-ES_tradnl" sz="1800" dirty="0">
+                <a:latin typeface="Arial" panose="020B0604020202020204" pitchFamily="34" charset="0"/>
+                <a:cs typeface="Arial" pitchFamily="34" charset="0"/>
+              </a:rPr>
+              <a:t>(" </a:t>
+            </a:r>
+            <a:r>
+              <a:rPr lang="es-ES_tradnl" sz="1800" dirty="0">
+                <a:solidFill>
+                  <a:srgbClr val="0000FF"/>
+                </a:solidFill>
+                <a:latin typeface="Arial" panose="020B0604020202020204" pitchFamily="34" charset="0"/>
+                <a:cs typeface="Arial" pitchFamily="34" charset="0"/>
+              </a:rPr>
+              <a:t>Tu nombre es %s</a:t>
+            </a:r>
+            <a:r>
+              <a:rPr lang="es-ES_tradnl" sz="1800" dirty="0">
+                <a:latin typeface="Arial" pitchFamily="34" charset="0"/>
+                <a:cs typeface="Arial" pitchFamily="34" charset="0"/>
+              </a:rPr>
+              <a:t>", nombre);</a:t>
+            </a:r>
           </a:p>
           <a:p>
             <a:pPr lvl="1" eaLnBrk="1" hangingPunct="1">
@@ -17754,27 +18037,10 @@
             </a:pPr>
             <a:r>
               <a:rPr lang="es-ES_tradnl" sz="1800" dirty="0">
-                <a:latin typeface="Arial" panose="020B0604020202020204" pitchFamily="34" charset="0"/>
-                <a:cs typeface="Arial" pitchFamily="34" charset="0"/>
-              </a:rPr>
-              <a:t>		printf("</a:t>
-            </a:r>
-            <a:r>
-              <a:rPr lang="es-ES_tradnl" sz="1800" dirty="0">
-                <a:solidFill>
-                  <a:srgbClr val="0000FF"/>
-                </a:solidFill>
-                <a:latin typeface="Arial" panose="020B0604020202020204" pitchFamily="34" charset="0"/>
-                <a:cs typeface="Arial" pitchFamily="34" charset="0"/>
-              </a:rPr>
-              <a:t>Tu nombre es %s</a:t>
-            </a:r>
-            <a:r>
-              <a:rPr lang="es-ES_tradnl" sz="1800" dirty="0">
-                <a:latin typeface="Arial" pitchFamily="34" charset="0"/>
-                <a:cs typeface="Arial" pitchFamily="34" charset="0"/>
-              </a:rPr>
-              <a:t>", nombre);</a:t>
+                <a:latin typeface="Arial" pitchFamily="34" charset="0"/>
+                <a:cs typeface="Arial" pitchFamily="34" charset="0"/>
+              </a:rPr>
+              <a:t>		</a:t>
             </a:r>
           </a:p>
           <a:p>
@@ -17792,6 +18058,54 @@
               </a:rPr>
               <a:t>		</a:t>
             </a:r>
+            <a:r>
+              <a:rPr lang="es-ES_tradnl" sz="1800" dirty="0" err="1">
+                <a:latin typeface="Arial" pitchFamily="34" charset="0"/>
+                <a:cs typeface="Arial" pitchFamily="34" charset="0"/>
+              </a:rPr>
+              <a:t>printf</a:t>
+            </a:r>
+            <a:r>
+              <a:rPr lang="es-ES_tradnl" sz="1800" dirty="0">
+                <a:latin typeface="Arial" pitchFamily="34" charset="0"/>
+                <a:cs typeface="Arial" pitchFamily="34" charset="0"/>
+              </a:rPr>
+              <a:t>("</a:t>
+            </a:r>
+            <a:r>
+              <a:rPr lang="es-ES_tradnl" sz="1800" dirty="0">
+                <a:solidFill>
+                  <a:srgbClr val="0000FF"/>
+                </a:solidFill>
+                <a:latin typeface="Arial" panose="020B0604020202020204" pitchFamily="34" charset="0"/>
+                <a:cs typeface="Arial" pitchFamily="34" charset="0"/>
+              </a:rPr>
+              <a:t>\n\n Introduce tu nombre completo: </a:t>
+            </a:r>
+            <a:r>
+              <a:rPr lang="es-ES_tradnl" sz="1800" dirty="0">
+                <a:latin typeface="Arial" panose="020B0604020202020204" pitchFamily="34" charset="0"/>
+                <a:cs typeface="Arial" pitchFamily="34" charset="0"/>
+              </a:rPr>
+              <a:t>"</a:t>
+            </a:r>
+            <a:r>
+              <a:rPr lang="es-ES_tradnl" sz="1800" dirty="0">
+                <a:solidFill>
+                  <a:srgbClr val="0000FF"/>
+                </a:solidFill>
+                <a:latin typeface="Arial" panose="020B0604020202020204" pitchFamily="34" charset="0"/>
+                <a:cs typeface="Arial" pitchFamily="34" charset="0"/>
+              </a:rPr>
+              <a:t>)</a:t>
+            </a:r>
+            <a:r>
+              <a:rPr lang="es-ES_tradnl" sz="1800" dirty="0">
+                <a:latin typeface="Arial" panose="020B0604020202020204" pitchFamily="34" charset="0"/>
+                <a:cs typeface="Arial" pitchFamily="34" charset="0"/>
+              </a:rPr>
+              <a:t>;</a:t>
+            </a:r>
           </a:p>
           <a:p>
             <a:pPr lvl="1" eaLnBrk="1" hangingPunct="1">
@@ -17802,45 +18116,14 @@
               <a:buNone/>
             </a:pPr>
             <a:r>
-              <a:rPr lang="es-ES_tradnl" sz="1800" dirty="0">
-                <a:latin typeface="Arial" pitchFamily="34" charset="0"/>
-                <a:cs typeface="Arial" pitchFamily="34" charset="0"/>
-              </a:rPr>
-              <a:t>		printf("</a:t>
-            </a:r>
-            <a:r>
-              <a:rPr lang="es-ES_tradnl" sz="1800" dirty="0">
-                <a:solidFill>
-                  <a:srgbClr val="0000FF"/>
+              <a:rPr lang="es-ES_tradnl" sz="1800" b="1" dirty="0">
+                <a:solidFill>
+                  <a:srgbClr val="00B050"/>
                 </a:solidFill>
                 <a:latin typeface="Arial" panose="020B0604020202020204" pitchFamily="34" charset="0"/>
                 <a:cs typeface="Arial" pitchFamily="34" charset="0"/>
               </a:rPr>
-              <a:t>\n\n Introduce tu nombre completo: </a:t>
-            </a:r>
-            <a:r>
-              <a:rPr lang="es-ES_tradnl" sz="1800" dirty="0">
-                <a:latin typeface="Arial" panose="020B0604020202020204" pitchFamily="34" charset="0"/>
-                <a:cs typeface="Arial" pitchFamily="34" charset="0"/>
-              </a:rPr>
-              <a:t>"</a:t>
-            </a:r>
-            <a:r>
-              <a:rPr lang="es-ES_tradnl" sz="1800" dirty="0">
-                <a:solidFill>
-                  <a:srgbClr val="0000FF"/>
-                </a:solidFill>
-                <a:latin typeface="Arial" panose="020B0604020202020204" pitchFamily="34" charset="0"/>
-                <a:cs typeface="Arial" pitchFamily="34" charset="0"/>
-              </a:rPr>
-              <a:t>)</a:t>
-            </a:r>
-            <a:r>
-              <a:rPr lang="es-ES_tradnl" sz="1800" dirty="0">
-                <a:latin typeface="Arial" panose="020B0604020202020204" pitchFamily="34" charset="0"/>
-                <a:cs typeface="Arial" pitchFamily="34" charset="0"/>
-              </a:rPr>
-              <a:t>;</a:t>
+              <a:t>		fflush(stdin); </a:t>
             </a:r>
           </a:p>
           <a:p>
@@ -17852,22 +18135,28 @@
               <a:buNone/>
             </a:pPr>
             <a:r>
+              <a:rPr lang="es-ES_tradnl" sz="1800" dirty="0">
+                <a:latin typeface="Arial" panose="020B0604020202020204" pitchFamily="34" charset="0"/>
+                <a:cs typeface="Arial" pitchFamily="34" charset="0"/>
+              </a:rPr>
+              <a:t>		</a:t>
+            </a:r>
+            <a:r>
               <a:rPr lang="es-ES_tradnl" sz="1800" b="1" dirty="0">
                 <a:solidFill>
-                  <a:srgbClr val="00B050"/>
+                  <a:srgbClr val="FF0000"/>
                 </a:solidFill>
                 <a:latin typeface="Arial" panose="020B0604020202020204" pitchFamily="34" charset="0"/>
                 <a:cs typeface="Arial" pitchFamily="34" charset="0"/>
               </a:rPr>
-              <a:t>		fflush(stdin); </a:t>
-            </a:r>
-          </a:p>
-          <a:p>
-            <a:pPr lvl="1" eaLnBrk="1" hangingPunct="1">
+              <a:t>scanf("%s",&amp;nombre);</a:t>
+            </a:r>
+          </a:p>
+          <a:p>
+            <a:pPr lvl="1">
               <a:lnSpc>
                 <a:spcPct val="90000"/>
               </a:lnSpc>
-              <a:buFontTx/>
               <a:buNone/>
             </a:pPr>
             <a:r>
@@ -17878,30 +18167,18 @@
               <a:t>		</a:t>
             </a:r>
             <a:r>
-              <a:rPr lang="es-ES_tradnl" sz="1800" b="1" dirty="0">
-                <a:solidFill>
-                  <a:srgbClr val="FF0000"/>
-                </a:solidFill>
+              <a:rPr lang="es-ES_tradnl" sz="1800" dirty="0" err="1">
                 <a:latin typeface="Arial" panose="020B0604020202020204" pitchFamily="34" charset="0"/>
                 <a:cs typeface="Arial" pitchFamily="34" charset="0"/>
               </a:rPr>
-              <a:t>scanf("%s",&amp;nombre);</a:t>
-            </a:r>
-          </a:p>
-          <a:p>
-            <a:pPr lvl="1" eaLnBrk="1" hangingPunct="1">
-              <a:lnSpc>
-                <a:spcPct val="90000"/>
-              </a:lnSpc>
-              <a:buFontTx/>
-              <a:buNone/>
-            </a:pPr>
+              <a:t>printf</a:t>
+            </a:r>
             <a:r>
               <a:rPr lang="es-ES_tradnl" sz="1800" dirty="0">
                 <a:latin typeface="Arial" panose="020B0604020202020204" pitchFamily="34" charset="0"/>
                 <a:cs typeface="Arial" pitchFamily="34" charset="0"/>
               </a:rPr>
-              <a:t>		printf("</a:t>
+              <a:t>(" </a:t>
             </a:r>
             <a:r>
               <a:rPr lang="es-ES_tradnl" sz="1800" dirty="0">
